--- a/ppt 16-9/0478.失迷的羊.pptx
+++ b/ppt 16-9/0478.失迷的羊.pptx
@@ -5,7 +5,7 @@
     <p:sldMasterId id="2147483648" r:id="rId1"/>
   </p:sldMasterIdLst>
   <p:sldIdLst>
-    <p:sldId id="2982" r:id="rId2"/>
+    <p:sldId id="2984" r:id="rId2"/>
   </p:sldIdLst>
   <p:sldSz cx="12192000" cy="6858000"/>
   <p:notesSz cx="6858000" cy="9144000"/>
@@ -129,7 +129,7 @@
           <p:cNvPr id="2" name="标题 1">
             <a:extLst>
               <a:ext uri="{FF2B5EF4-FFF2-40B4-BE49-F238E27FC236}">
-                <a16:creationId xmlns:a16="http://schemas.microsoft.com/office/drawing/2014/main" id="{242B4878-64B0-A4E8-E8CA-A905AE1E2A30}"/>
+                <a16:creationId xmlns:a16="http://schemas.microsoft.com/office/drawing/2014/main" id="{C400CF27-2FD7-AD0B-BCCC-7BAEC8D37830}"/>
               </a:ext>
             </a:extLst>
           </p:cNvPr>
@@ -166,7 +166,7 @@
           <p:cNvPr id="3" name="副标题 2">
             <a:extLst>
               <a:ext uri="{FF2B5EF4-FFF2-40B4-BE49-F238E27FC236}">
-                <a16:creationId xmlns:a16="http://schemas.microsoft.com/office/drawing/2014/main" id="{E500B6D1-33E6-53EC-604A-F6603E7D9151}"/>
+                <a16:creationId xmlns:a16="http://schemas.microsoft.com/office/drawing/2014/main" id="{A7AF95B4-3579-C5DE-2387-B0DDA7CC4E61}"/>
               </a:ext>
             </a:extLst>
           </p:cNvPr>
@@ -236,7 +236,7 @@
           <p:cNvPr id="4" name="日期占位符 3">
             <a:extLst>
               <a:ext uri="{FF2B5EF4-FFF2-40B4-BE49-F238E27FC236}">
-                <a16:creationId xmlns:a16="http://schemas.microsoft.com/office/drawing/2014/main" id="{BC8E3C74-752F-A3E1-2682-F264107199C9}"/>
+                <a16:creationId xmlns:a16="http://schemas.microsoft.com/office/drawing/2014/main" id="{4D85C4BF-9161-0BFA-CD2A-605B038B5244}"/>
               </a:ext>
             </a:extLst>
           </p:cNvPr>
@@ -252,7 +252,7 @@
           <a:bodyPr/>
           <a:lstStyle/>
           <a:p>
-            <a:fld id="{0606D1B7-D996-44A0-98B3-0F4A10FB3963}" type="datetimeFigureOut">
+            <a:fld id="{8B8468C5-C42E-46C8-A2EA-B240B5C1B3F9}" type="datetimeFigureOut">
               <a:rPr lang="zh-CN" altLang="en-US" smtClean="0"/>
               <a:t>2024/3/10</a:t>
             </a:fld>
@@ -265,7 +265,7 @@
           <p:cNvPr id="5" name="页脚占位符 4">
             <a:extLst>
               <a:ext uri="{FF2B5EF4-FFF2-40B4-BE49-F238E27FC236}">
-                <a16:creationId xmlns:a16="http://schemas.microsoft.com/office/drawing/2014/main" id="{2B30113B-868D-AACD-697F-00F264743DD8}"/>
+                <a16:creationId xmlns:a16="http://schemas.microsoft.com/office/drawing/2014/main" id="{C66D1DFF-457E-FD9A-6F52-7302887CFBDF}"/>
               </a:ext>
             </a:extLst>
           </p:cNvPr>
@@ -290,7 +290,7 @@
           <p:cNvPr id="6" name="灯片编号占位符 5">
             <a:extLst>
               <a:ext uri="{FF2B5EF4-FFF2-40B4-BE49-F238E27FC236}">
-                <a16:creationId xmlns:a16="http://schemas.microsoft.com/office/drawing/2014/main" id="{0A8DB7EA-808B-54B9-6F24-347645C7497C}"/>
+                <a16:creationId xmlns:a16="http://schemas.microsoft.com/office/drawing/2014/main" id="{104480ED-4BE0-1FC0-4987-67085CA4B405}"/>
               </a:ext>
             </a:extLst>
           </p:cNvPr>
@@ -306,7 +306,7 @@
           <a:bodyPr/>
           <a:lstStyle/>
           <a:p>
-            <a:fld id="{5ACE041F-446F-4044-AFB5-54B55F6FF37B}" type="slidenum">
+            <a:fld id="{5950A80E-D6BB-46AC-8DEE-89ADC9164B60}" type="slidenum">
               <a:rPr lang="zh-CN" altLang="en-US" smtClean="0"/>
               <a:t>‹#›</a:t>
             </a:fld>
@@ -317,7 +317,7 @@
     </p:spTree>
     <p:extLst>
       <p:ext uri="{BB962C8B-B14F-4D97-AF65-F5344CB8AC3E}">
-        <p14:creationId xmlns:p14="http://schemas.microsoft.com/office/powerpoint/2010/main" val="929036434"/>
+        <p14:creationId xmlns:p14="http://schemas.microsoft.com/office/powerpoint/2010/main" val="2434148145"/>
       </p:ext>
     </p:extLst>
   </p:cSld>
@@ -349,7 +349,7 @@
           <p:cNvPr id="2" name="标题 1">
             <a:extLst>
               <a:ext uri="{FF2B5EF4-FFF2-40B4-BE49-F238E27FC236}">
-                <a16:creationId xmlns:a16="http://schemas.microsoft.com/office/drawing/2014/main" id="{7F7B0D77-10B3-7F32-7FB8-092F3137A049}"/>
+                <a16:creationId xmlns:a16="http://schemas.microsoft.com/office/drawing/2014/main" id="{15DDB54C-9D0B-E2BD-0A60-EE503647487F}"/>
               </a:ext>
             </a:extLst>
           </p:cNvPr>
@@ -377,7 +377,7 @@
           <p:cNvPr id="3" name="竖排文字占位符 2">
             <a:extLst>
               <a:ext uri="{FF2B5EF4-FFF2-40B4-BE49-F238E27FC236}">
-                <a16:creationId xmlns:a16="http://schemas.microsoft.com/office/drawing/2014/main" id="{8B487240-EE63-512C-CD7C-C368439917C0}"/>
+                <a16:creationId xmlns:a16="http://schemas.microsoft.com/office/drawing/2014/main" id="{727DC817-CFA5-7115-0F71-4F26AA5729B8}"/>
               </a:ext>
             </a:extLst>
           </p:cNvPr>
@@ -434,7 +434,7 @@
           <p:cNvPr id="4" name="日期占位符 3">
             <a:extLst>
               <a:ext uri="{FF2B5EF4-FFF2-40B4-BE49-F238E27FC236}">
-                <a16:creationId xmlns:a16="http://schemas.microsoft.com/office/drawing/2014/main" id="{D4954C98-C43B-FBF9-288D-C26BD71C3EAF}"/>
+                <a16:creationId xmlns:a16="http://schemas.microsoft.com/office/drawing/2014/main" id="{B3AE73EB-00A1-123B-059C-D94BBDA3D328}"/>
               </a:ext>
             </a:extLst>
           </p:cNvPr>
@@ -450,7 +450,7 @@
           <a:bodyPr/>
           <a:lstStyle/>
           <a:p>
-            <a:fld id="{0606D1B7-D996-44A0-98B3-0F4A10FB3963}" type="datetimeFigureOut">
+            <a:fld id="{8B8468C5-C42E-46C8-A2EA-B240B5C1B3F9}" type="datetimeFigureOut">
               <a:rPr lang="zh-CN" altLang="en-US" smtClean="0"/>
               <a:t>2024/3/10</a:t>
             </a:fld>
@@ -463,7 +463,7 @@
           <p:cNvPr id="5" name="页脚占位符 4">
             <a:extLst>
               <a:ext uri="{FF2B5EF4-FFF2-40B4-BE49-F238E27FC236}">
-                <a16:creationId xmlns:a16="http://schemas.microsoft.com/office/drawing/2014/main" id="{85D40690-8F33-9B77-696A-E1D1FEF58AD4}"/>
+                <a16:creationId xmlns:a16="http://schemas.microsoft.com/office/drawing/2014/main" id="{F444A47D-38BB-25A8-B642-E6CC9D9DBB85}"/>
               </a:ext>
             </a:extLst>
           </p:cNvPr>
@@ -488,7 +488,7 @@
           <p:cNvPr id="6" name="灯片编号占位符 5">
             <a:extLst>
               <a:ext uri="{FF2B5EF4-FFF2-40B4-BE49-F238E27FC236}">
-                <a16:creationId xmlns:a16="http://schemas.microsoft.com/office/drawing/2014/main" id="{04BB5AB7-5108-9E2E-CEC9-35BD6BCA29D5}"/>
+                <a16:creationId xmlns:a16="http://schemas.microsoft.com/office/drawing/2014/main" id="{FA0F0BF2-9432-09C0-245B-EB64E3D539A3}"/>
               </a:ext>
             </a:extLst>
           </p:cNvPr>
@@ -504,7 +504,7 @@
           <a:bodyPr/>
           <a:lstStyle/>
           <a:p>
-            <a:fld id="{5ACE041F-446F-4044-AFB5-54B55F6FF37B}" type="slidenum">
+            <a:fld id="{5950A80E-D6BB-46AC-8DEE-89ADC9164B60}" type="slidenum">
               <a:rPr lang="zh-CN" altLang="en-US" smtClean="0"/>
               <a:t>‹#›</a:t>
             </a:fld>
@@ -515,7 +515,7 @@
     </p:spTree>
     <p:extLst>
       <p:ext uri="{BB962C8B-B14F-4D97-AF65-F5344CB8AC3E}">
-        <p14:creationId xmlns:p14="http://schemas.microsoft.com/office/powerpoint/2010/main" val="821081127"/>
+        <p14:creationId xmlns:p14="http://schemas.microsoft.com/office/powerpoint/2010/main" val="1737307434"/>
       </p:ext>
     </p:extLst>
   </p:cSld>
@@ -547,7 +547,7 @@
           <p:cNvPr id="2" name="竖排标题 1">
             <a:extLst>
               <a:ext uri="{FF2B5EF4-FFF2-40B4-BE49-F238E27FC236}">
-                <a16:creationId xmlns:a16="http://schemas.microsoft.com/office/drawing/2014/main" id="{4843F4A7-F8BC-F2C7-0DF1-643B0D4EA35D}"/>
+                <a16:creationId xmlns:a16="http://schemas.microsoft.com/office/drawing/2014/main" id="{E76CAD2E-72F3-32B7-D7FC-8E2370CE4F5A}"/>
               </a:ext>
             </a:extLst>
           </p:cNvPr>
@@ -580,7 +580,7 @@
           <p:cNvPr id="3" name="竖排文字占位符 2">
             <a:extLst>
               <a:ext uri="{FF2B5EF4-FFF2-40B4-BE49-F238E27FC236}">
-                <a16:creationId xmlns:a16="http://schemas.microsoft.com/office/drawing/2014/main" id="{7FDC77EA-7F97-2D52-CFA2-7B0B69C0B47F}"/>
+                <a16:creationId xmlns:a16="http://schemas.microsoft.com/office/drawing/2014/main" id="{6DFE3637-9256-6D84-DFD0-4ECCD8D081FE}"/>
               </a:ext>
             </a:extLst>
           </p:cNvPr>
@@ -642,7 +642,7 @@
           <p:cNvPr id="4" name="日期占位符 3">
             <a:extLst>
               <a:ext uri="{FF2B5EF4-FFF2-40B4-BE49-F238E27FC236}">
-                <a16:creationId xmlns:a16="http://schemas.microsoft.com/office/drawing/2014/main" id="{9469B4F6-30E2-7A11-9CA0-EB0B559207F0}"/>
+                <a16:creationId xmlns:a16="http://schemas.microsoft.com/office/drawing/2014/main" id="{B11D4C62-E7BE-88A5-E664-A58C8D51F7E7}"/>
               </a:ext>
             </a:extLst>
           </p:cNvPr>
@@ -658,7 +658,7 @@
           <a:bodyPr/>
           <a:lstStyle/>
           <a:p>
-            <a:fld id="{0606D1B7-D996-44A0-98B3-0F4A10FB3963}" type="datetimeFigureOut">
+            <a:fld id="{8B8468C5-C42E-46C8-A2EA-B240B5C1B3F9}" type="datetimeFigureOut">
               <a:rPr lang="zh-CN" altLang="en-US" smtClean="0"/>
               <a:t>2024/3/10</a:t>
             </a:fld>
@@ -671,7 +671,7 @@
           <p:cNvPr id="5" name="页脚占位符 4">
             <a:extLst>
               <a:ext uri="{FF2B5EF4-FFF2-40B4-BE49-F238E27FC236}">
-                <a16:creationId xmlns:a16="http://schemas.microsoft.com/office/drawing/2014/main" id="{5629A788-F96B-580E-EE04-9DB88AC09690}"/>
+                <a16:creationId xmlns:a16="http://schemas.microsoft.com/office/drawing/2014/main" id="{46D57796-C572-9500-D7F1-3A1C350EBF07}"/>
               </a:ext>
             </a:extLst>
           </p:cNvPr>
@@ -696,7 +696,7 @@
           <p:cNvPr id="6" name="灯片编号占位符 5">
             <a:extLst>
               <a:ext uri="{FF2B5EF4-FFF2-40B4-BE49-F238E27FC236}">
-                <a16:creationId xmlns:a16="http://schemas.microsoft.com/office/drawing/2014/main" id="{4540311F-BFAD-C31E-590E-16F92A0BFCB8}"/>
+                <a16:creationId xmlns:a16="http://schemas.microsoft.com/office/drawing/2014/main" id="{A6BC3530-9524-275C-5756-2014918DB465}"/>
               </a:ext>
             </a:extLst>
           </p:cNvPr>
@@ -712,7 +712,7 @@
           <a:bodyPr/>
           <a:lstStyle/>
           <a:p>
-            <a:fld id="{5ACE041F-446F-4044-AFB5-54B55F6FF37B}" type="slidenum">
+            <a:fld id="{5950A80E-D6BB-46AC-8DEE-89ADC9164B60}" type="slidenum">
               <a:rPr lang="zh-CN" altLang="en-US" smtClean="0"/>
               <a:t>‹#›</a:t>
             </a:fld>
@@ -723,7 +723,7 @@
     </p:spTree>
     <p:extLst>
       <p:ext uri="{BB962C8B-B14F-4D97-AF65-F5344CB8AC3E}">
-        <p14:creationId xmlns:p14="http://schemas.microsoft.com/office/powerpoint/2010/main" val="2724216126"/>
+        <p14:creationId xmlns:p14="http://schemas.microsoft.com/office/powerpoint/2010/main" val="2221189644"/>
       </p:ext>
     </p:extLst>
   </p:cSld>
@@ -755,7 +755,7 @@
           <p:cNvPr id="2" name="标题 1">
             <a:extLst>
               <a:ext uri="{FF2B5EF4-FFF2-40B4-BE49-F238E27FC236}">
-                <a16:creationId xmlns:a16="http://schemas.microsoft.com/office/drawing/2014/main" id="{62E0BEDF-F7B1-E7AC-150D-463455741345}"/>
+                <a16:creationId xmlns:a16="http://schemas.microsoft.com/office/drawing/2014/main" id="{3CDBE52F-522B-DEB6-F031-DB5FECC75D9B}"/>
               </a:ext>
             </a:extLst>
           </p:cNvPr>
@@ -783,7 +783,7 @@
           <p:cNvPr id="3" name="内容占位符 2">
             <a:extLst>
               <a:ext uri="{FF2B5EF4-FFF2-40B4-BE49-F238E27FC236}">
-                <a16:creationId xmlns:a16="http://schemas.microsoft.com/office/drawing/2014/main" id="{A1D2C9F3-4674-3FED-A043-45340D5BFC21}"/>
+                <a16:creationId xmlns:a16="http://schemas.microsoft.com/office/drawing/2014/main" id="{F172ED2E-4908-2BB1-0FF2-8D314638AEF2}"/>
               </a:ext>
             </a:extLst>
           </p:cNvPr>
@@ -840,7 +840,7 @@
           <p:cNvPr id="4" name="日期占位符 3">
             <a:extLst>
               <a:ext uri="{FF2B5EF4-FFF2-40B4-BE49-F238E27FC236}">
-                <a16:creationId xmlns:a16="http://schemas.microsoft.com/office/drawing/2014/main" id="{B35EC3AC-8B04-9EB1-C1A1-1A8F9DF6D7C9}"/>
+                <a16:creationId xmlns:a16="http://schemas.microsoft.com/office/drawing/2014/main" id="{4073A015-D0C8-28A1-969B-2D4319CBBF45}"/>
               </a:ext>
             </a:extLst>
           </p:cNvPr>
@@ -856,7 +856,7 @@
           <a:bodyPr/>
           <a:lstStyle/>
           <a:p>
-            <a:fld id="{0606D1B7-D996-44A0-98B3-0F4A10FB3963}" type="datetimeFigureOut">
+            <a:fld id="{8B8468C5-C42E-46C8-A2EA-B240B5C1B3F9}" type="datetimeFigureOut">
               <a:rPr lang="zh-CN" altLang="en-US" smtClean="0"/>
               <a:t>2024/3/10</a:t>
             </a:fld>
@@ -869,7 +869,7 @@
           <p:cNvPr id="5" name="页脚占位符 4">
             <a:extLst>
               <a:ext uri="{FF2B5EF4-FFF2-40B4-BE49-F238E27FC236}">
-                <a16:creationId xmlns:a16="http://schemas.microsoft.com/office/drawing/2014/main" id="{C0962E0D-DFD2-0C40-0AEE-D73703427000}"/>
+                <a16:creationId xmlns:a16="http://schemas.microsoft.com/office/drawing/2014/main" id="{40348848-6F90-8F8E-DCED-BEDB17E23D28}"/>
               </a:ext>
             </a:extLst>
           </p:cNvPr>
@@ -894,7 +894,7 @@
           <p:cNvPr id="6" name="灯片编号占位符 5">
             <a:extLst>
               <a:ext uri="{FF2B5EF4-FFF2-40B4-BE49-F238E27FC236}">
-                <a16:creationId xmlns:a16="http://schemas.microsoft.com/office/drawing/2014/main" id="{E1D9C066-ABCC-F6F4-6F69-99AFBB0A340F}"/>
+                <a16:creationId xmlns:a16="http://schemas.microsoft.com/office/drawing/2014/main" id="{C43528E5-5470-8698-90DC-3FB179E02F65}"/>
               </a:ext>
             </a:extLst>
           </p:cNvPr>
@@ -910,7 +910,7 @@
           <a:bodyPr/>
           <a:lstStyle/>
           <a:p>
-            <a:fld id="{5ACE041F-446F-4044-AFB5-54B55F6FF37B}" type="slidenum">
+            <a:fld id="{5950A80E-D6BB-46AC-8DEE-89ADC9164B60}" type="slidenum">
               <a:rPr lang="zh-CN" altLang="en-US" smtClean="0"/>
               <a:t>‹#›</a:t>
             </a:fld>
@@ -921,7 +921,7 @@
     </p:spTree>
     <p:extLst>
       <p:ext uri="{BB962C8B-B14F-4D97-AF65-F5344CB8AC3E}">
-        <p14:creationId xmlns:p14="http://schemas.microsoft.com/office/powerpoint/2010/main" val="1851865947"/>
+        <p14:creationId xmlns:p14="http://schemas.microsoft.com/office/powerpoint/2010/main" val="4081093570"/>
       </p:ext>
     </p:extLst>
   </p:cSld>
@@ -953,7 +953,7 @@
           <p:cNvPr id="2" name="标题 1">
             <a:extLst>
               <a:ext uri="{FF2B5EF4-FFF2-40B4-BE49-F238E27FC236}">
-                <a16:creationId xmlns:a16="http://schemas.microsoft.com/office/drawing/2014/main" id="{07DD38E4-3097-9F48-EA84-5DD32EC2F65A}"/>
+                <a16:creationId xmlns:a16="http://schemas.microsoft.com/office/drawing/2014/main" id="{D7B3B0BC-CF7D-8351-FEB3-E78F3AC476D4}"/>
               </a:ext>
             </a:extLst>
           </p:cNvPr>
@@ -990,7 +990,7 @@
           <p:cNvPr id="3" name="文本占位符 2">
             <a:extLst>
               <a:ext uri="{FF2B5EF4-FFF2-40B4-BE49-F238E27FC236}">
-                <a16:creationId xmlns:a16="http://schemas.microsoft.com/office/drawing/2014/main" id="{49427E58-02AF-6E9E-529F-E36FE5F63C08}"/>
+                <a16:creationId xmlns:a16="http://schemas.microsoft.com/office/drawing/2014/main" id="{4A187E42-BCE6-D0FD-D73A-DA617ED5FD27}"/>
               </a:ext>
             </a:extLst>
           </p:cNvPr>
@@ -1115,7 +1115,7 @@
           <p:cNvPr id="4" name="日期占位符 3">
             <a:extLst>
               <a:ext uri="{FF2B5EF4-FFF2-40B4-BE49-F238E27FC236}">
-                <a16:creationId xmlns:a16="http://schemas.microsoft.com/office/drawing/2014/main" id="{BD6CD4D3-4D1E-4921-8137-2A19869DD5AA}"/>
+                <a16:creationId xmlns:a16="http://schemas.microsoft.com/office/drawing/2014/main" id="{B0032A73-9E67-3860-3ADD-E7412DB937BE}"/>
               </a:ext>
             </a:extLst>
           </p:cNvPr>
@@ -1131,7 +1131,7 @@
           <a:bodyPr/>
           <a:lstStyle/>
           <a:p>
-            <a:fld id="{0606D1B7-D996-44A0-98B3-0F4A10FB3963}" type="datetimeFigureOut">
+            <a:fld id="{8B8468C5-C42E-46C8-A2EA-B240B5C1B3F9}" type="datetimeFigureOut">
               <a:rPr lang="zh-CN" altLang="en-US" smtClean="0"/>
               <a:t>2024/3/10</a:t>
             </a:fld>
@@ -1144,7 +1144,7 @@
           <p:cNvPr id="5" name="页脚占位符 4">
             <a:extLst>
               <a:ext uri="{FF2B5EF4-FFF2-40B4-BE49-F238E27FC236}">
-                <a16:creationId xmlns:a16="http://schemas.microsoft.com/office/drawing/2014/main" id="{8646C9CE-818A-A334-F0B9-DBA778FC1C3A}"/>
+                <a16:creationId xmlns:a16="http://schemas.microsoft.com/office/drawing/2014/main" id="{5F3E8B10-82B5-6D28-FE68-E57744896C12}"/>
               </a:ext>
             </a:extLst>
           </p:cNvPr>
@@ -1169,7 +1169,7 @@
           <p:cNvPr id="6" name="灯片编号占位符 5">
             <a:extLst>
               <a:ext uri="{FF2B5EF4-FFF2-40B4-BE49-F238E27FC236}">
-                <a16:creationId xmlns:a16="http://schemas.microsoft.com/office/drawing/2014/main" id="{121524D3-FC37-5C65-644A-DD39C3CC5C46}"/>
+                <a16:creationId xmlns:a16="http://schemas.microsoft.com/office/drawing/2014/main" id="{93E6B589-C0DF-08B8-CB72-1286C6C94654}"/>
               </a:ext>
             </a:extLst>
           </p:cNvPr>
@@ -1185,7 +1185,7 @@
           <a:bodyPr/>
           <a:lstStyle/>
           <a:p>
-            <a:fld id="{5ACE041F-446F-4044-AFB5-54B55F6FF37B}" type="slidenum">
+            <a:fld id="{5950A80E-D6BB-46AC-8DEE-89ADC9164B60}" type="slidenum">
               <a:rPr lang="zh-CN" altLang="en-US" smtClean="0"/>
               <a:t>‹#›</a:t>
             </a:fld>
@@ -1196,7 +1196,7 @@
     </p:spTree>
     <p:extLst>
       <p:ext uri="{BB962C8B-B14F-4D97-AF65-F5344CB8AC3E}">
-        <p14:creationId xmlns:p14="http://schemas.microsoft.com/office/powerpoint/2010/main" val="2568144264"/>
+        <p14:creationId xmlns:p14="http://schemas.microsoft.com/office/powerpoint/2010/main" val="1552518120"/>
       </p:ext>
     </p:extLst>
   </p:cSld>
@@ -1228,7 +1228,7 @@
           <p:cNvPr id="2" name="标题 1">
             <a:extLst>
               <a:ext uri="{FF2B5EF4-FFF2-40B4-BE49-F238E27FC236}">
-                <a16:creationId xmlns:a16="http://schemas.microsoft.com/office/drawing/2014/main" id="{9C4E62B9-3CA5-D52F-96B7-3009DF6B3DD5}"/>
+                <a16:creationId xmlns:a16="http://schemas.microsoft.com/office/drawing/2014/main" id="{E1E2C53A-273B-1C92-1CB2-ED08F7FCFD4A}"/>
               </a:ext>
             </a:extLst>
           </p:cNvPr>
@@ -1256,7 +1256,7 @@
           <p:cNvPr id="3" name="内容占位符 2">
             <a:extLst>
               <a:ext uri="{FF2B5EF4-FFF2-40B4-BE49-F238E27FC236}">
-                <a16:creationId xmlns:a16="http://schemas.microsoft.com/office/drawing/2014/main" id="{0883EA4E-9F9F-6A29-E9B3-36C0BB32F8F2}"/>
+                <a16:creationId xmlns:a16="http://schemas.microsoft.com/office/drawing/2014/main" id="{80E99367-2E12-A17E-509B-519B2C9E4D85}"/>
               </a:ext>
             </a:extLst>
           </p:cNvPr>
@@ -1318,7 +1318,7 @@
           <p:cNvPr id="4" name="内容占位符 3">
             <a:extLst>
               <a:ext uri="{FF2B5EF4-FFF2-40B4-BE49-F238E27FC236}">
-                <a16:creationId xmlns:a16="http://schemas.microsoft.com/office/drawing/2014/main" id="{D10361F5-645D-3C1C-7D67-98F11BC5CAB1}"/>
+                <a16:creationId xmlns:a16="http://schemas.microsoft.com/office/drawing/2014/main" id="{4B199AC7-A4B9-97F4-01D6-2689568E5B38}"/>
               </a:ext>
             </a:extLst>
           </p:cNvPr>
@@ -1380,7 +1380,7 @@
           <p:cNvPr id="5" name="日期占位符 4">
             <a:extLst>
               <a:ext uri="{FF2B5EF4-FFF2-40B4-BE49-F238E27FC236}">
-                <a16:creationId xmlns:a16="http://schemas.microsoft.com/office/drawing/2014/main" id="{B7083E15-4295-D1A4-47B6-5F4DC14E49D6}"/>
+                <a16:creationId xmlns:a16="http://schemas.microsoft.com/office/drawing/2014/main" id="{303B2127-5E58-EFB0-B4E5-94F3014C687B}"/>
               </a:ext>
             </a:extLst>
           </p:cNvPr>
@@ -1396,7 +1396,7 @@
           <a:bodyPr/>
           <a:lstStyle/>
           <a:p>
-            <a:fld id="{0606D1B7-D996-44A0-98B3-0F4A10FB3963}" type="datetimeFigureOut">
+            <a:fld id="{8B8468C5-C42E-46C8-A2EA-B240B5C1B3F9}" type="datetimeFigureOut">
               <a:rPr lang="zh-CN" altLang="en-US" smtClean="0"/>
               <a:t>2024/3/10</a:t>
             </a:fld>
@@ -1409,7 +1409,7 @@
           <p:cNvPr id="6" name="页脚占位符 5">
             <a:extLst>
               <a:ext uri="{FF2B5EF4-FFF2-40B4-BE49-F238E27FC236}">
-                <a16:creationId xmlns:a16="http://schemas.microsoft.com/office/drawing/2014/main" id="{554F604B-A88C-96A6-C410-D5926B567686}"/>
+                <a16:creationId xmlns:a16="http://schemas.microsoft.com/office/drawing/2014/main" id="{ABDCD6EB-F780-6D90-8A17-5FBD8CE37F04}"/>
               </a:ext>
             </a:extLst>
           </p:cNvPr>
@@ -1434,7 +1434,7 @@
           <p:cNvPr id="7" name="灯片编号占位符 6">
             <a:extLst>
               <a:ext uri="{FF2B5EF4-FFF2-40B4-BE49-F238E27FC236}">
-                <a16:creationId xmlns:a16="http://schemas.microsoft.com/office/drawing/2014/main" id="{9278B3D7-92BB-8423-7465-F234B01BA8BD}"/>
+                <a16:creationId xmlns:a16="http://schemas.microsoft.com/office/drawing/2014/main" id="{2EE1ABC9-4440-F8D9-E783-C3502C513BD9}"/>
               </a:ext>
             </a:extLst>
           </p:cNvPr>
@@ -1450,7 +1450,7 @@
           <a:bodyPr/>
           <a:lstStyle/>
           <a:p>
-            <a:fld id="{5ACE041F-446F-4044-AFB5-54B55F6FF37B}" type="slidenum">
+            <a:fld id="{5950A80E-D6BB-46AC-8DEE-89ADC9164B60}" type="slidenum">
               <a:rPr lang="zh-CN" altLang="en-US" smtClean="0"/>
               <a:t>‹#›</a:t>
             </a:fld>
@@ -1461,7 +1461,7 @@
     </p:spTree>
     <p:extLst>
       <p:ext uri="{BB962C8B-B14F-4D97-AF65-F5344CB8AC3E}">
-        <p14:creationId xmlns:p14="http://schemas.microsoft.com/office/powerpoint/2010/main" val="3238516412"/>
+        <p14:creationId xmlns:p14="http://schemas.microsoft.com/office/powerpoint/2010/main" val="4201731"/>
       </p:ext>
     </p:extLst>
   </p:cSld>
@@ -1493,7 +1493,7 @@
           <p:cNvPr id="2" name="标题 1">
             <a:extLst>
               <a:ext uri="{FF2B5EF4-FFF2-40B4-BE49-F238E27FC236}">
-                <a16:creationId xmlns:a16="http://schemas.microsoft.com/office/drawing/2014/main" id="{FA98F223-7704-9492-76EB-D13D26B2191D}"/>
+                <a16:creationId xmlns:a16="http://schemas.microsoft.com/office/drawing/2014/main" id="{EDAA3B23-700A-BA8E-73C3-D57A9142AC16}"/>
               </a:ext>
             </a:extLst>
           </p:cNvPr>
@@ -1526,7 +1526,7 @@
           <p:cNvPr id="3" name="文本占位符 2">
             <a:extLst>
               <a:ext uri="{FF2B5EF4-FFF2-40B4-BE49-F238E27FC236}">
-                <a16:creationId xmlns:a16="http://schemas.microsoft.com/office/drawing/2014/main" id="{ECC7ECC1-9CB4-0DDD-29E8-36F37E1EC943}"/>
+                <a16:creationId xmlns:a16="http://schemas.microsoft.com/office/drawing/2014/main" id="{C71D642C-DE97-3A05-5FD5-2CDBC900BFDE}"/>
               </a:ext>
             </a:extLst>
           </p:cNvPr>
@@ -1597,7 +1597,7 @@
           <p:cNvPr id="4" name="内容占位符 3">
             <a:extLst>
               <a:ext uri="{FF2B5EF4-FFF2-40B4-BE49-F238E27FC236}">
-                <a16:creationId xmlns:a16="http://schemas.microsoft.com/office/drawing/2014/main" id="{2235DA22-6059-6E64-4053-D7CA5CB9B09F}"/>
+                <a16:creationId xmlns:a16="http://schemas.microsoft.com/office/drawing/2014/main" id="{13778D78-47CF-971B-1FCF-1E70907C14BB}"/>
               </a:ext>
             </a:extLst>
           </p:cNvPr>
@@ -1659,7 +1659,7 @@
           <p:cNvPr id="5" name="文本占位符 4">
             <a:extLst>
               <a:ext uri="{FF2B5EF4-FFF2-40B4-BE49-F238E27FC236}">
-                <a16:creationId xmlns:a16="http://schemas.microsoft.com/office/drawing/2014/main" id="{70B51DCB-5349-76E2-9714-FAA1D137A579}"/>
+                <a16:creationId xmlns:a16="http://schemas.microsoft.com/office/drawing/2014/main" id="{DF33072C-D869-F65F-019E-DC6ABE8137CF}"/>
               </a:ext>
             </a:extLst>
           </p:cNvPr>
@@ -1730,7 +1730,7 @@
           <p:cNvPr id="6" name="内容占位符 5">
             <a:extLst>
               <a:ext uri="{FF2B5EF4-FFF2-40B4-BE49-F238E27FC236}">
-                <a16:creationId xmlns:a16="http://schemas.microsoft.com/office/drawing/2014/main" id="{E0B490BB-3BD6-CD8C-9F89-588B76CDEAA0}"/>
+                <a16:creationId xmlns:a16="http://schemas.microsoft.com/office/drawing/2014/main" id="{831F536A-0A8A-7D61-6100-FA6F51C64DD3}"/>
               </a:ext>
             </a:extLst>
           </p:cNvPr>
@@ -1792,7 +1792,7 @@
           <p:cNvPr id="7" name="日期占位符 6">
             <a:extLst>
               <a:ext uri="{FF2B5EF4-FFF2-40B4-BE49-F238E27FC236}">
-                <a16:creationId xmlns:a16="http://schemas.microsoft.com/office/drawing/2014/main" id="{1CADDFFA-9991-3342-EB60-0397AF08B72D}"/>
+                <a16:creationId xmlns:a16="http://schemas.microsoft.com/office/drawing/2014/main" id="{67E5382D-C46A-3510-5A92-6D5B1E2AA7A8}"/>
               </a:ext>
             </a:extLst>
           </p:cNvPr>
@@ -1808,7 +1808,7 @@
           <a:bodyPr/>
           <a:lstStyle/>
           <a:p>
-            <a:fld id="{0606D1B7-D996-44A0-98B3-0F4A10FB3963}" type="datetimeFigureOut">
+            <a:fld id="{8B8468C5-C42E-46C8-A2EA-B240B5C1B3F9}" type="datetimeFigureOut">
               <a:rPr lang="zh-CN" altLang="en-US" smtClean="0"/>
               <a:t>2024/3/10</a:t>
             </a:fld>
@@ -1821,7 +1821,7 @@
           <p:cNvPr id="8" name="页脚占位符 7">
             <a:extLst>
               <a:ext uri="{FF2B5EF4-FFF2-40B4-BE49-F238E27FC236}">
-                <a16:creationId xmlns:a16="http://schemas.microsoft.com/office/drawing/2014/main" id="{E2508956-DFFB-CEAF-2696-F2239D802D44}"/>
+                <a16:creationId xmlns:a16="http://schemas.microsoft.com/office/drawing/2014/main" id="{6F96DCED-CD36-3149-BAB1-8C4ADE4AF11B}"/>
               </a:ext>
             </a:extLst>
           </p:cNvPr>
@@ -1846,7 +1846,7 @@
           <p:cNvPr id="9" name="灯片编号占位符 8">
             <a:extLst>
               <a:ext uri="{FF2B5EF4-FFF2-40B4-BE49-F238E27FC236}">
-                <a16:creationId xmlns:a16="http://schemas.microsoft.com/office/drawing/2014/main" id="{54CE292D-23F8-9693-BB53-1E409F44CB63}"/>
+                <a16:creationId xmlns:a16="http://schemas.microsoft.com/office/drawing/2014/main" id="{71832E91-7F14-8DC4-26B0-71C3609A39BE}"/>
               </a:ext>
             </a:extLst>
           </p:cNvPr>
@@ -1862,7 +1862,7 @@
           <a:bodyPr/>
           <a:lstStyle/>
           <a:p>
-            <a:fld id="{5ACE041F-446F-4044-AFB5-54B55F6FF37B}" type="slidenum">
+            <a:fld id="{5950A80E-D6BB-46AC-8DEE-89ADC9164B60}" type="slidenum">
               <a:rPr lang="zh-CN" altLang="en-US" smtClean="0"/>
               <a:t>‹#›</a:t>
             </a:fld>
@@ -1873,7 +1873,7 @@
     </p:spTree>
     <p:extLst>
       <p:ext uri="{BB962C8B-B14F-4D97-AF65-F5344CB8AC3E}">
-        <p14:creationId xmlns:p14="http://schemas.microsoft.com/office/powerpoint/2010/main" val="4069187451"/>
+        <p14:creationId xmlns:p14="http://schemas.microsoft.com/office/powerpoint/2010/main" val="4037298003"/>
       </p:ext>
     </p:extLst>
   </p:cSld>
@@ -1905,7 +1905,7 @@
           <p:cNvPr id="2" name="标题 1">
             <a:extLst>
               <a:ext uri="{FF2B5EF4-FFF2-40B4-BE49-F238E27FC236}">
-                <a16:creationId xmlns:a16="http://schemas.microsoft.com/office/drawing/2014/main" id="{2FC77832-BA88-CDAD-E8F3-FAEE1E4985DE}"/>
+                <a16:creationId xmlns:a16="http://schemas.microsoft.com/office/drawing/2014/main" id="{DA8FA9B3-B80A-8F89-24CF-96BD411E82D5}"/>
               </a:ext>
             </a:extLst>
           </p:cNvPr>
@@ -1933,7 +1933,7 @@
           <p:cNvPr id="3" name="日期占位符 2">
             <a:extLst>
               <a:ext uri="{FF2B5EF4-FFF2-40B4-BE49-F238E27FC236}">
-                <a16:creationId xmlns:a16="http://schemas.microsoft.com/office/drawing/2014/main" id="{931EECEE-21E9-F858-00BA-2398C613A5BE}"/>
+                <a16:creationId xmlns:a16="http://schemas.microsoft.com/office/drawing/2014/main" id="{A291E9AF-3D75-067A-B09C-7A1CD1ED76B6}"/>
               </a:ext>
             </a:extLst>
           </p:cNvPr>
@@ -1949,7 +1949,7 @@
           <a:bodyPr/>
           <a:lstStyle/>
           <a:p>
-            <a:fld id="{0606D1B7-D996-44A0-98B3-0F4A10FB3963}" type="datetimeFigureOut">
+            <a:fld id="{8B8468C5-C42E-46C8-A2EA-B240B5C1B3F9}" type="datetimeFigureOut">
               <a:rPr lang="zh-CN" altLang="en-US" smtClean="0"/>
               <a:t>2024/3/10</a:t>
             </a:fld>
@@ -1962,7 +1962,7 @@
           <p:cNvPr id="4" name="页脚占位符 3">
             <a:extLst>
               <a:ext uri="{FF2B5EF4-FFF2-40B4-BE49-F238E27FC236}">
-                <a16:creationId xmlns:a16="http://schemas.microsoft.com/office/drawing/2014/main" id="{EEA10880-F73E-F306-E1D2-9BBA93EDB4A8}"/>
+                <a16:creationId xmlns:a16="http://schemas.microsoft.com/office/drawing/2014/main" id="{EF452455-2D2C-6744-630A-CFC261C7B704}"/>
               </a:ext>
             </a:extLst>
           </p:cNvPr>
@@ -1987,7 +1987,7 @@
           <p:cNvPr id="5" name="灯片编号占位符 4">
             <a:extLst>
               <a:ext uri="{FF2B5EF4-FFF2-40B4-BE49-F238E27FC236}">
-                <a16:creationId xmlns:a16="http://schemas.microsoft.com/office/drawing/2014/main" id="{47ACD747-78A3-3DC4-13BF-41AA3A2F5CB9}"/>
+                <a16:creationId xmlns:a16="http://schemas.microsoft.com/office/drawing/2014/main" id="{7396D76F-7770-A7EA-0AA5-E1D83ADCDAFF}"/>
               </a:ext>
             </a:extLst>
           </p:cNvPr>
@@ -2003,7 +2003,7 @@
           <a:bodyPr/>
           <a:lstStyle/>
           <a:p>
-            <a:fld id="{5ACE041F-446F-4044-AFB5-54B55F6FF37B}" type="slidenum">
+            <a:fld id="{5950A80E-D6BB-46AC-8DEE-89ADC9164B60}" type="slidenum">
               <a:rPr lang="zh-CN" altLang="en-US" smtClean="0"/>
               <a:t>‹#›</a:t>
             </a:fld>
@@ -2014,7 +2014,7 @@
     </p:spTree>
     <p:extLst>
       <p:ext uri="{BB962C8B-B14F-4D97-AF65-F5344CB8AC3E}">
-        <p14:creationId xmlns:p14="http://schemas.microsoft.com/office/powerpoint/2010/main" val="2279948134"/>
+        <p14:creationId xmlns:p14="http://schemas.microsoft.com/office/powerpoint/2010/main" val="1641151508"/>
       </p:ext>
     </p:extLst>
   </p:cSld>
@@ -2046,7 +2046,7 @@
           <p:cNvPr id="2" name="日期占位符 1">
             <a:extLst>
               <a:ext uri="{FF2B5EF4-FFF2-40B4-BE49-F238E27FC236}">
-                <a16:creationId xmlns:a16="http://schemas.microsoft.com/office/drawing/2014/main" id="{1D5DC6CE-84E5-F9B1-6DE0-593D630B2439}"/>
+                <a16:creationId xmlns:a16="http://schemas.microsoft.com/office/drawing/2014/main" id="{1921636F-27A6-4D73-EAE9-2497739D48DA}"/>
               </a:ext>
             </a:extLst>
           </p:cNvPr>
@@ -2062,7 +2062,7 @@
           <a:bodyPr/>
           <a:lstStyle/>
           <a:p>
-            <a:fld id="{0606D1B7-D996-44A0-98B3-0F4A10FB3963}" type="datetimeFigureOut">
+            <a:fld id="{8B8468C5-C42E-46C8-A2EA-B240B5C1B3F9}" type="datetimeFigureOut">
               <a:rPr lang="zh-CN" altLang="en-US" smtClean="0"/>
               <a:t>2024/3/10</a:t>
             </a:fld>
@@ -2075,7 +2075,7 @@
           <p:cNvPr id="3" name="页脚占位符 2">
             <a:extLst>
               <a:ext uri="{FF2B5EF4-FFF2-40B4-BE49-F238E27FC236}">
-                <a16:creationId xmlns:a16="http://schemas.microsoft.com/office/drawing/2014/main" id="{7EF0CE35-2BDF-D53A-F3D6-844383020D4C}"/>
+                <a16:creationId xmlns:a16="http://schemas.microsoft.com/office/drawing/2014/main" id="{F7092279-D4C3-5806-0A87-D4C8E74F549B}"/>
               </a:ext>
             </a:extLst>
           </p:cNvPr>
@@ -2100,7 +2100,7 @@
           <p:cNvPr id="4" name="灯片编号占位符 3">
             <a:extLst>
               <a:ext uri="{FF2B5EF4-FFF2-40B4-BE49-F238E27FC236}">
-                <a16:creationId xmlns:a16="http://schemas.microsoft.com/office/drawing/2014/main" id="{B7543FC7-2AC5-A624-4AEC-A56DEE5474E1}"/>
+                <a16:creationId xmlns:a16="http://schemas.microsoft.com/office/drawing/2014/main" id="{CAE3E3FB-CCFF-77EA-3AE3-4C1333AC5E2B}"/>
               </a:ext>
             </a:extLst>
           </p:cNvPr>
@@ -2116,7 +2116,7 @@
           <a:bodyPr/>
           <a:lstStyle/>
           <a:p>
-            <a:fld id="{5ACE041F-446F-4044-AFB5-54B55F6FF37B}" type="slidenum">
+            <a:fld id="{5950A80E-D6BB-46AC-8DEE-89ADC9164B60}" type="slidenum">
               <a:rPr lang="zh-CN" altLang="en-US" smtClean="0"/>
               <a:t>‹#›</a:t>
             </a:fld>
@@ -2127,7 +2127,7 @@
     </p:spTree>
     <p:extLst>
       <p:ext uri="{BB962C8B-B14F-4D97-AF65-F5344CB8AC3E}">
-        <p14:creationId xmlns:p14="http://schemas.microsoft.com/office/powerpoint/2010/main" val="433182056"/>
+        <p14:creationId xmlns:p14="http://schemas.microsoft.com/office/powerpoint/2010/main" val="658956675"/>
       </p:ext>
     </p:extLst>
   </p:cSld>
@@ -2159,7 +2159,7 @@
           <p:cNvPr id="2" name="标题 1">
             <a:extLst>
               <a:ext uri="{FF2B5EF4-FFF2-40B4-BE49-F238E27FC236}">
-                <a16:creationId xmlns:a16="http://schemas.microsoft.com/office/drawing/2014/main" id="{F77AE27A-31F2-38B8-7184-AD05754B4D4F}"/>
+                <a16:creationId xmlns:a16="http://schemas.microsoft.com/office/drawing/2014/main" id="{688BB495-5AD9-04A2-AB67-919E2F4190FC}"/>
               </a:ext>
             </a:extLst>
           </p:cNvPr>
@@ -2196,7 +2196,7 @@
           <p:cNvPr id="3" name="内容占位符 2">
             <a:extLst>
               <a:ext uri="{FF2B5EF4-FFF2-40B4-BE49-F238E27FC236}">
-                <a16:creationId xmlns:a16="http://schemas.microsoft.com/office/drawing/2014/main" id="{863F06E0-8C96-62CD-15BB-B99CB1DF9619}"/>
+                <a16:creationId xmlns:a16="http://schemas.microsoft.com/office/drawing/2014/main" id="{EFABFB7F-579F-B839-8405-B8C79465D15B}"/>
               </a:ext>
             </a:extLst>
           </p:cNvPr>
@@ -2286,7 +2286,7 @@
           <p:cNvPr id="4" name="文本占位符 3">
             <a:extLst>
               <a:ext uri="{FF2B5EF4-FFF2-40B4-BE49-F238E27FC236}">
-                <a16:creationId xmlns:a16="http://schemas.microsoft.com/office/drawing/2014/main" id="{F69D8EA0-E153-8C58-5413-38CBB2DAED15}"/>
+                <a16:creationId xmlns:a16="http://schemas.microsoft.com/office/drawing/2014/main" id="{CA003600-2085-8630-D0D0-384EAA662F0E}"/>
               </a:ext>
             </a:extLst>
           </p:cNvPr>
@@ -2357,7 +2357,7 @@
           <p:cNvPr id="5" name="日期占位符 4">
             <a:extLst>
               <a:ext uri="{FF2B5EF4-FFF2-40B4-BE49-F238E27FC236}">
-                <a16:creationId xmlns:a16="http://schemas.microsoft.com/office/drawing/2014/main" id="{EE3BE39F-7167-5071-E4FD-3203D97B70C5}"/>
+                <a16:creationId xmlns:a16="http://schemas.microsoft.com/office/drawing/2014/main" id="{7E03FF72-6EAC-7C17-D40A-3A64D6BAACAD}"/>
               </a:ext>
             </a:extLst>
           </p:cNvPr>
@@ -2373,7 +2373,7 @@
           <a:bodyPr/>
           <a:lstStyle/>
           <a:p>
-            <a:fld id="{0606D1B7-D996-44A0-98B3-0F4A10FB3963}" type="datetimeFigureOut">
+            <a:fld id="{8B8468C5-C42E-46C8-A2EA-B240B5C1B3F9}" type="datetimeFigureOut">
               <a:rPr lang="zh-CN" altLang="en-US" smtClean="0"/>
               <a:t>2024/3/10</a:t>
             </a:fld>
@@ -2386,7 +2386,7 @@
           <p:cNvPr id="6" name="页脚占位符 5">
             <a:extLst>
               <a:ext uri="{FF2B5EF4-FFF2-40B4-BE49-F238E27FC236}">
-                <a16:creationId xmlns:a16="http://schemas.microsoft.com/office/drawing/2014/main" id="{D0B8F928-FDD1-F7D9-191C-F0776C7DFF45}"/>
+                <a16:creationId xmlns:a16="http://schemas.microsoft.com/office/drawing/2014/main" id="{F0AE9BFD-07DC-FC1B-E60E-1240E287EA5A}"/>
               </a:ext>
             </a:extLst>
           </p:cNvPr>
@@ -2411,7 +2411,7 @@
           <p:cNvPr id="7" name="灯片编号占位符 6">
             <a:extLst>
               <a:ext uri="{FF2B5EF4-FFF2-40B4-BE49-F238E27FC236}">
-                <a16:creationId xmlns:a16="http://schemas.microsoft.com/office/drawing/2014/main" id="{0861C1D1-88F8-DAE2-8B4A-5E88A83FA4E2}"/>
+                <a16:creationId xmlns:a16="http://schemas.microsoft.com/office/drawing/2014/main" id="{E871E422-4099-B6F4-3ED6-D6675BC75803}"/>
               </a:ext>
             </a:extLst>
           </p:cNvPr>
@@ -2427,7 +2427,7 @@
           <a:bodyPr/>
           <a:lstStyle/>
           <a:p>
-            <a:fld id="{5ACE041F-446F-4044-AFB5-54B55F6FF37B}" type="slidenum">
+            <a:fld id="{5950A80E-D6BB-46AC-8DEE-89ADC9164B60}" type="slidenum">
               <a:rPr lang="zh-CN" altLang="en-US" smtClean="0"/>
               <a:t>‹#›</a:t>
             </a:fld>
@@ -2438,7 +2438,7 @@
     </p:spTree>
     <p:extLst>
       <p:ext uri="{BB962C8B-B14F-4D97-AF65-F5344CB8AC3E}">
-        <p14:creationId xmlns:p14="http://schemas.microsoft.com/office/powerpoint/2010/main" val="2029356171"/>
+        <p14:creationId xmlns:p14="http://schemas.microsoft.com/office/powerpoint/2010/main" val="1669277892"/>
       </p:ext>
     </p:extLst>
   </p:cSld>
@@ -2470,7 +2470,7 @@
           <p:cNvPr id="2" name="标题 1">
             <a:extLst>
               <a:ext uri="{FF2B5EF4-FFF2-40B4-BE49-F238E27FC236}">
-                <a16:creationId xmlns:a16="http://schemas.microsoft.com/office/drawing/2014/main" id="{CB3D5D51-3BC6-2200-E4F6-68A12CDB0F17}"/>
+                <a16:creationId xmlns:a16="http://schemas.microsoft.com/office/drawing/2014/main" id="{A3F6CF50-8E4F-4DDF-3F33-5D545B6E6650}"/>
               </a:ext>
             </a:extLst>
           </p:cNvPr>
@@ -2507,7 +2507,7 @@
           <p:cNvPr id="3" name="图片占位符 2">
             <a:extLst>
               <a:ext uri="{FF2B5EF4-FFF2-40B4-BE49-F238E27FC236}">
-                <a16:creationId xmlns:a16="http://schemas.microsoft.com/office/drawing/2014/main" id="{1E4034C3-5AC5-4830-AF16-B5D65A00992E}"/>
+                <a16:creationId xmlns:a16="http://schemas.microsoft.com/office/drawing/2014/main" id="{B5E192CC-7CC9-5CB5-F48A-E368DE6546E3}"/>
               </a:ext>
             </a:extLst>
           </p:cNvPr>
@@ -2574,7 +2574,7 @@
           <p:cNvPr id="4" name="文本占位符 3">
             <a:extLst>
               <a:ext uri="{FF2B5EF4-FFF2-40B4-BE49-F238E27FC236}">
-                <a16:creationId xmlns:a16="http://schemas.microsoft.com/office/drawing/2014/main" id="{655CFCF8-5361-1F36-A1E7-60690A31AA7D}"/>
+                <a16:creationId xmlns:a16="http://schemas.microsoft.com/office/drawing/2014/main" id="{84401B98-6EAC-0120-6430-29C5B1077018}"/>
               </a:ext>
             </a:extLst>
           </p:cNvPr>
@@ -2645,7 +2645,7 @@
           <p:cNvPr id="5" name="日期占位符 4">
             <a:extLst>
               <a:ext uri="{FF2B5EF4-FFF2-40B4-BE49-F238E27FC236}">
-                <a16:creationId xmlns:a16="http://schemas.microsoft.com/office/drawing/2014/main" id="{853E9CE8-8A53-EB45-84FD-B1BC7B0898EE}"/>
+                <a16:creationId xmlns:a16="http://schemas.microsoft.com/office/drawing/2014/main" id="{064EB2B5-F486-F2C5-787C-D56FF38DA997}"/>
               </a:ext>
             </a:extLst>
           </p:cNvPr>
@@ -2661,7 +2661,7 @@
           <a:bodyPr/>
           <a:lstStyle/>
           <a:p>
-            <a:fld id="{0606D1B7-D996-44A0-98B3-0F4A10FB3963}" type="datetimeFigureOut">
+            <a:fld id="{8B8468C5-C42E-46C8-A2EA-B240B5C1B3F9}" type="datetimeFigureOut">
               <a:rPr lang="zh-CN" altLang="en-US" smtClean="0"/>
               <a:t>2024/3/10</a:t>
             </a:fld>
@@ -2674,7 +2674,7 @@
           <p:cNvPr id="6" name="页脚占位符 5">
             <a:extLst>
               <a:ext uri="{FF2B5EF4-FFF2-40B4-BE49-F238E27FC236}">
-                <a16:creationId xmlns:a16="http://schemas.microsoft.com/office/drawing/2014/main" id="{E7D700A9-F29C-F074-7931-7B22C067E2A5}"/>
+                <a16:creationId xmlns:a16="http://schemas.microsoft.com/office/drawing/2014/main" id="{C1178EF5-8BE3-6335-5551-F2B92D3549F1}"/>
               </a:ext>
             </a:extLst>
           </p:cNvPr>
@@ -2699,7 +2699,7 @@
           <p:cNvPr id="7" name="灯片编号占位符 6">
             <a:extLst>
               <a:ext uri="{FF2B5EF4-FFF2-40B4-BE49-F238E27FC236}">
-                <a16:creationId xmlns:a16="http://schemas.microsoft.com/office/drawing/2014/main" id="{BF90B299-769F-0893-C34E-7BCCB27BF58B}"/>
+                <a16:creationId xmlns:a16="http://schemas.microsoft.com/office/drawing/2014/main" id="{11A51E8B-5676-63C0-BB22-9D069535F3C0}"/>
               </a:ext>
             </a:extLst>
           </p:cNvPr>
@@ -2715,7 +2715,7 @@
           <a:bodyPr/>
           <a:lstStyle/>
           <a:p>
-            <a:fld id="{5ACE041F-446F-4044-AFB5-54B55F6FF37B}" type="slidenum">
+            <a:fld id="{5950A80E-D6BB-46AC-8DEE-89ADC9164B60}" type="slidenum">
               <a:rPr lang="zh-CN" altLang="en-US" smtClean="0"/>
               <a:t>‹#›</a:t>
             </a:fld>
@@ -2726,7 +2726,7 @@
     </p:spTree>
     <p:extLst>
       <p:ext uri="{BB962C8B-B14F-4D97-AF65-F5344CB8AC3E}">
-        <p14:creationId xmlns:p14="http://schemas.microsoft.com/office/powerpoint/2010/main" val="3337250518"/>
+        <p14:creationId xmlns:p14="http://schemas.microsoft.com/office/powerpoint/2010/main" val="239501571"/>
       </p:ext>
     </p:extLst>
   </p:cSld>
@@ -2763,7 +2763,7 @@
           <p:cNvPr id="2" name="标题占位符 1">
             <a:extLst>
               <a:ext uri="{FF2B5EF4-FFF2-40B4-BE49-F238E27FC236}">
-                <a16:creationId xmlns:a16="http://schemas.microsoft.com/office/drawing/2014/main" id="{C0283B76-065B-E3D5-54C8-3AD36154F8D6}"/>
+                <a16:creationId xmlns:a16="http://schemas.microsoft.com/office/drawing/2014/main" id="{7449D897-7389-CE6F-E1C6-79BB8D3A2F00}"/>
               </a:ext>
             </a:extLst>
           </p:cNvPr>
@@ -2801,7 +2801,7 @@
           <p:cNvPr id="3" name="文本占位符 2">
             <a:extLst>
               <a:ext uri="{FF2B5EF4-FFF2-40B4-BE49-F238E27FC236}">
-                <a16:creationId xmlns:a16="http://schemas.microsoft.com/office/drawing/2014/main" id="{E58D7754-9BA0-6F1E-307F-4293DA5BDD51}"/>
+                <a16:creationId xmlns:a16="http://schemas.microsoft.com/office/drawing/2014/main" id="{14225418-97A3-411E-607B-68AFC8ABFB10}"/>
               </a:ext>
             </a:extLst>
           </p:cNvPr>
@@ -2868,7 +2868,7 @@
           <p:cNvPr id="4" name="日期占位符 3">
             <a:extLst>
               <a:ext uri="{FF2B5EF4-FFF2-40B4-BE49-F238E27FC236}">
-                <a16:creationId xmlns:a16="http://schemas.microsoft.com/office/drawing/2014/main" id="{2CB10C88-F604-5A10-71D2-2AC6CA37DD98}"/>
+                <a16:creationId xmlns:a16="http://schemas.microsoft.com/office/drawing/2014/main" id="{A51497D0-7E83-E897-472A-BC104D9BE7C0}"/>
               </a:ext>
             </a:extLst>
           </p:cNvPr>
@@ -2902,7 +2902,7 @@
             </a:lvl1pPr>
           </a:lstStyle>
           <a:p>
-            <a:fld id="{0606D1B7-D996-44A0-98B3-0F4A10FB3963}" type="datetimeFigureOut">
+            <a:fld id="{8B8468C5-C42E-46C8-A2EA-B240B5C1B3F9}" type="datetimeFigureOut">
               <a:rPr lang="zh-CN" altLang="en-US" smtClean="0"/>
               <a:t>2024/3/10</a:t>
             </a:fld>
@@ -2915,7 +2915,7 @@
           <p:cNvPr id="5" name="页脚占位符 4">
             <a:extLst>
               <a:ext uri="{FF2B5EF4-FFF2-40B4-BE49-F238E27FC236}">
-                <a16:creationId xmlns:a16="http://schemas.microsoft.com/office/drawing/2014/main" id="{5E963383-8F3B-9F34-07BF-363D952C0A7C}"/>
+                <a16:creationId xmlns:a16="http://schemas.microsoft.com/office/drawing/2014/main" id="{1F5DE023-1D16-5E5E-59AF-CBADA4E9FBA9}"/>
               </a:ext>
             </a:extLst>
           </p:cNvPr>
@@ -2958,7 +2958,7 @@
           <p:cNvPr id="6" name="灯片编号占位符 5">
             <a:extLst>
               <a:ext uri="{FF2B5EF4-FFF2-40B4-BE49-F238E27FC236}">
-                <a16:creationId xmlns:a16="http://schemas.microsoft.com/office/drawing/2014/main" id="{E7F23BAB-320A-D0D6-08BD-8E019F983C3C}"/>
+                <a16:creationId xmlns:a16="http://schemas.microsoft.com/office/drawing/2014/main" id="{96EEF3EE-6EF0-544F-2342-D8AC53761F19}"/>
               </a:ext>
             </a:extLst>
           </p:cNvPr>
@@ -2992,7 +2992,7 @@
             </a:lvl1pPr>
           </a:lstStyle>
           <a:p>
-            <a:fld id="{5ACE041F-446F-4044-AFB5-54B55F6FF37B}" type="slidenum">
+            <a:fld id="{5950A80E-D6BB-46AC-8DEE-89ADC9164B60}" type="slidenum">
               <a:rPr lang="zh-CN" altLang="en-US" smtClean="0"/>
               <a:t>‹#›</a:t>
             </a:fld>
@@ -3003,7 +3003,7 @@
     </p:spTree>
     <p:extLst>
       <p:ext uri="{BB962C8B-B14F-4D97-AF65-F5344CB8AC3E}">
-        <p14:creationId xmlns:p14="http://schemas.microsoft.com/office/powerpoint/2010/main" val="2074628470"/>
+        <p14:creationId xmlns:p14="http://schemas.microsoft.com/office/powerpoint/2010/main" val="3068765040"/>
       </p:ext>
     </p:extLst>
   </p:cSld>
@@ -3323,7 +3323,7 @@
       </p:grpSpPr>
       <p:pic>
         <p:nvPicPr>
-          <p:cNvPr id="489474" name="Picture 2" descr="477"/>
+          <p:cNvPr id="490498" name="Picture 2" descr="478"/>
           <p:cNvPicPr>
             <a:picLocks noChangeAspect="1" noChangeArrowheads="1"/>
           </p:cNvPicPr>
@@ -3345,7 +3345,7 @@
         <p:spPr bwMode="auto">
           <a:xfrm>
             <a:off x="1524000" y="0"/>
-            <a:ext cx="9144000" cy="6858000"/>
+            <a:ext cx="9144000" cy="6453188"/>
           </a:xfrm>
           <a:prstGeom prst="rect">
             <a:avLst/>
@@ -3375,11 +3375,158 @@
           </a:extLst>
         </p:spPr>
       </p:pic>
+      <p:pic>
+        <p:nvPicPr>
+          <p:cNvPr id="491523" name="Picture 3" descr="478-2"/>
+          <p:cNvPicPr>
+            <a:picLocks noChangeAspect="1" noChangeArrowheads="1"/>
+          </p:cNvPicPr>
+          <p:nvPr/>
+        </p:nvPicPr>
+        <p:blipFill>
+          <a:blip r:embed="rId3">
+            <a:extLst>
+              <a:ext uri="{28A0092B-C50C-407E-A947-70E740481C1C}">
+                <a14:useLocalDpi xmlns:a14="http://schemas.microsoft.com/office/drawing/2010/main" val="0"/>
+              </a:ext>
+            </a:extLst>
+          </a:blip>
+          <a:srcRect/>
+          <a:stretch>
+            <a:fillRect/>
+          </a:stretch>
+        </p:blipFill>
+        <p:spPr bwMode="auto">
+          <a:xfrm>
+            <a:off x="1524000" y="1"/>
+            <a:ext cx="9144000" cy="6526213"/>
+          </a:xfrm>
+          <a:prstGeom prst="rect">
+            <a:avLst/>
+          </a:prstGeom>
+          <a:noFill/>
+          <a:ln>
+            <a:noFill/>
+          </a:ln>
+          <a:effectLst/>
+          <a:extLst>
+            <a:ext uri="{909E8E84-426E-40DD-AFC4-6F175D3DCCD1}">
+              <a14:hiddenFill xmlns:a14="http://schemas.microsoft.com/office/drawing/2010/main">
+                <a:solidFill>
+                  <a:srgbClr val="FFFFFF"/>
+                </a:solidFill>
+              </a14:hiddenFill>
+            </a:ext>
+            <a:ext uri="{91240B29-F687-4F45-9708-019B960494DF}">
+              <a14:hiddenLine xmlns:a14="http://schemas.microsoft.com/office/drawing/2010/main" w="9525">
+                <a:solidFill>
+                  <a:srgbClr val="000000"/>
+                </a:solidFill>
+                <a:miter lim="800000"/>
+                <a:headEnd/>
+                <a:tailEnd/>
+              </a14:hiddenLine>
+            </a:ext>
+            <a:ext uri="{AF507438-7753-43E0-B8FC-AC1667EBCBE1}">
+              <a14:hiddenEffects xmlns:a14="http://schemas.microsoft.com/office/drawing/2010/main">
+                <a:effectLst>
+                  <a:outerShdw dist="35921" dir="2700000" algn="ctr" rotWithShape="0">
+                    <a:srgbClr val="808080"/>
+                  </a:outerShdw>
+                </a:effectLst>
+              </a14:hiddenEffects>
+            </a:ext>
+          </a:extLst>
+        </p:spPr>
+      </p:pic>
     </p:spTree>
   </p:cSld>
   <p:clrMapOvr>
     <a:masterClrMapping/>
   </p:clrMapOvr>
+  <p:timing>
+    <p:tnLst>
+      <p:par>
+        <p:cTn id="1" dur="indefinite" restart="never" nodeType="tmRoot">
+          <p:childTnLst>
+            <p:seq concurrent="1" nextAc="seek">
+              <p:cTn id="2" dur="indefinite" nodeType="mainSeq">
+                <p:childTnLst>
+                  <p:par>
+                    <p:cTn id="3" fill="hold" nodeType="clickPar">
+                      <p:stCondLst>
+                        <p:cond delay="indefinite"/>
+                      </p:stCondLst>
+                      <p:childTnLst>
+                        <p:par>
+                          <p:cTn id="4" fill="hold" nodeType="withGroup">
+                            <p:stCondLst>
+                              <p:cond delay="0"/>
+                            </p:stCondLst>
+                            <p:childTnLst>
+                              <p:par>
+                                <p:cTn id="5" presetID="10" presetClass="entr" presetSubtype="0" fill="hold" nodeType="clickEffect">
+                                  <p:stCondLst>
+                                    <p:cond delay="0"/>
+                                  </p:stCondLst>
+                                  <p:childTnLst>
+                                    <p:set>
+                                      <p:cBhvr>
+                                        <p:cTn id="6" dur="1" fill="hold">
+                                          <p:stCondLst>
+                                            <p:cond delay="0"/>
+                                          </p:stCondLst>
+                                        </p:cTn>
+                                        <p:tgtEl>
+                                          <p:spTgt spid="491523"/>
+                                        </p:tgtEl>
+                                        <p:attrNameLst>
+                                          <p:attrName>style.visibility</p:attrName>
+                                        </p:attrNameLst>
+                                      </p:cBhvr>
+                                      <p:to>
+                                        <p:strVal val="visible"/>
+                                      </p:to>
+                                    </p:set>
+                                    <p:animEffect transition="in" filter="fade">
+                                      <p:cBhvr>
+                                        <p:cTn id="7" dur="500"/>
+                                        <p:tgtEl>
+                                          <p:spTgt spid="491523"/>
+                                        </p:tgtEl>
+                                      </p:cBhvr>
+                                    </p:animEffect>
+                                  </p:childTnLst>
+                                </p:cTn>
+                              </p:par>
+                            </p:childTnLst>
+                          </p:cTn>
+                        </p:par>
+                      </p:childTnLst>
+                    </p:cTn>
+                  </p:par>
+                </p:childTnLst>
+              </p:cTn>
+              <p:prevCondLst>
+                <p:cond evt="onPrev" delay="0">
+                  <p:tgtEl>
+                    <p:sldTgt/>
+                  </p:tgtEl>
+                </p:cond>
+              </p:prevCondLst>
+              <p:nextCondLst>
+                <p:cond evt="onNext" delay="0">
+                  <p:tgtEl>
+                    <p:sldTgt/>
+                  </p:tgtEl>
+                </p:cond>
+              </p:nextCondLst>
+            </p:seq>
+          </p:childTnLst>
+        </p:cTn>
+      </p:par>
+    </p:tnLst>
+  </p:timing>
 </p:sld>
 </file>
 
